--- a/aula procedure.pptx
+++ b/aula procedure.pptx
@@ -13,6 +13,14 @@
     <p:sldId id="261" r:id="rId7"/>
     <p:sldId id="262" r:id="rId8"/>
     <p:sldId id="263" r:id="rId9"/>
+    <p:sldId id="266" r:id="rId10"/>
+    <p:sldId id="267" r:id="rId11"/>
+    <p:sldId id="268" r:id="rId12"/>
+    <p:sldId id="269" r:id="rId13"/>
+    <p:sldId id="270" r:id="rId14"/>
+    <p:sldId id="271" r:id="rId15"/>
+    <p:sldId id="264" r:id="rId16"/>
+    <p:sldId id="265" r:id="rId17"/>
   </p:sldIdLst>
   <p:sldSz cx="12192000" cy="6858000"/>
   <p:notesSz cx="6858000" cy="9144000"/>
@@ -111,6 +119,11 @@
       </a:defRPr>
     </a:lvl9pPr>
   </p:defaultTextStyle>
+  <p:extLst>
+    <p:ext uri="{EFAFB233-063F-42B5-8137-9DF3F51BA10A}">
+      <p15:sldGuideLst xmlns:p15="http://schemas.microsoft.com/office/powerpoint/2012/main"/>
+    </p:ext>
+  </p:extLst>
 </p:presentation>
 </file>
 
@@ -261,7 +274,7 @@
           <a:p>
             <a:fld id="{BB2CEDEC-D350-499C-8185-5FDAF3AFB7B7}" type="datetimeFigureOut">
               <a:rPr lang="pt-BR" smtClean="0"/>
-              <a:t>21/11/2023</a:t>
+              <a:t>22/11/2023</a:t>
             </a:fld>
             <a:endParaRPr lang="pt-BR"/>
           </a:p>
@@ -459,7 +472,7 @@
           <a:p>
             <a:fld id="{BB2CEDEC-D350-499C-8185-5FDAF3AFB7B7}" type="datetimeFigureOut">
               <a:rPr lang="pt-BR" smtClean="0"/>
-              <a:t>21/11/2023</a:t>
+              <a:t>22/11/2023</a:t>
             </a:fld>
             <a:endParaRPr lang="pt-BR"/>
           </a:p>
@@ -667,7 +680,7 @@
           <a:p>
             <a:fld id="{BB2CEDEC-D350-499C-8185-5FDAF3AFB7B7}" type="datetimeFigureOut">
               <a:rPr lang="pt-BR" smtClean="0"/>
-              <a:t>21/11/2023</a:t>
+              <a:t>22/11/2023</a:t>
             </a:fld>
             <a:endParaRPr lang="pt-BR"/>
           </a:p>
@@ -865,7 +878,7 @@
           <a:p>
             <a:fld id="{BB2CEDEC-D350-499C-8185-5FDAF3AFB7B7}" type="datetimeFigureOut">
               <a:rPr lang="pt-BR" smtClean="0"/>
-              <a:t>21/11/2023</a:t>
+              <a:t>22/11/2023</a:t>
             </a:fld>
             <a:endParaRPr lang="pt-BR"/>
           </a:p>
@@ -1140,7 +1153,7 @@
           <a:p>
             <a:fld id="{BB2CEDEC-D350-499C-8185-5FDAF3AFB7B7}" type="datetimeFigureOut">
               <a:rPr lang="pt-BR" smtClean="0"/>
-              <a:t>21/11/2023</a:t>
+              <a:t>22/11/2023</a:t>
             </a:fld>
             <a:endParaRPr lang="pt-BR"/>
           </a:p>
@@ -1405,7 +1418,7 @@
           <a:p>
             <a:fld id="{BB2CEDEC-D350-499C-8185-5FDAF3AFB7B7}" type="datetimeFigureOut">
               <a:rPr lang="pt-BR" smtClean="0"/>
-              <a:t>21/11/2023</a:t>
+              <a:t>22/11/2023</a:t>
             </a:fld>
             <a:endParaRPr lang="pt-BR"/>
           </a:p>
@@ -1817,7 +1830,7 @@
           <a:p>
             <a:fld id="{BB2CEDEC-D350-499C-8185-5FDAF3AFB7B7}" type="datetimeFigureOut">
               <a:rPr lang="pt-BR" smtClean="0"/>
-              <a:t>21/11/2023</a:t>
+              <a:t>22/11/2023</a:t>
             </a:fld>
             <a:endParaRPr lang="pt-BR"/>
           </a:p>
@@ -1958,7 +1971,7 @@
           <a:p>
             <a:fld id="{BB2CEDEC-D350-499C-8185-5FDAF3AFB7B7}" type="datetimeFigureOut">
               <a:rPr lang="pt-BR" smtClean="0"/>
-              <a:t>21/11/2023</a:t>
+              <a:t>22/11/2023</a:t>
             </a:fld>
             <a:endParaRPr lang="pt-BR"/>
           </a:p>
@@ -2071,7 +2084,7 @@
           <a:p>
             <a:fld id="{BB2CEDEC-D350-499C-8185-5FDAF3AFB7B7}" type="datetimeFigureOut">
               <a:rPr lang="pt-BR" smtClean="0"/>
-              <a:t>21/11/2023</a:t>
+              <a:t>22/11/2023</a:t>
             </a:fld>
             <a:endParaRPr lang="pt-BR"/>
           </a:p>
@@ -2382,7 +2395,7 @@
           <a:p>
             <a:fld id="{BB2CEDEC-D350-499C-8185-5FDAF3AFB7B7}" type="datetimeFigureOut">
               <a:rPr lang="pt-BR" smtClean="0"/>
-              <a:t>21/11/2023</a:t>
+              <a:t>22/11/2023</a:t>
             </a:fld>
             <a:endParaRPr lang="pt-BR"/>
           </a:p>
@@ -2670,7 +2683,7 @@
           <a:p>
             <a:fld id="{BB2CEDEC-D350-499C-8185-5FDAF3AFB7B7}" type="datetimeFigureOut">
               <a:rPr lang="pt-BR" smtClean="0"/>
-              <a:t>21/11/2023</a:t>
+              <a:t>22/11/2023</a:t>
             </a:fld>
             <a:endParaRPr lang="pt-BR"/>
           </a:p>
@@ -2911,7 +2924,7 @@
           <a:p>
             <a:fld id="{BB2CEDEC-D350-499C-8185-5FDAF3AFB7B7}" type="datetimeFigureOut">
               <a:rPr lang="pt-BR" smtClean="0"/>
-              <a:t>21/11/2023</a:t>
+              <a:t>22/11/2023</a:t>
             </a:fld>
             <a:endParaRPr lang="pt-BR"/>
           </a:p>
@@ -3431,6 +3444,497 @@
 </p:sld>
 </file>
 
+<file path=ppt/slides/slide10.xml><?xml version="1.0" encoding="utf-8"?>
+<p:sld xmlns:a="http://schemas.openxmlformats.org/drawingml/2006/main" xmlns:r="http://schemas.openxmlformats.org/officeDocument/2006/relationships" xmlns:p="http://schemas.openxmlformats.org/presentationml/2006/main">
+  <p:cSld>
+    <p:spTree>
+      <p:nvGrpSpPr>
+        <p:cNvPr id="1" name=""/>
+        <p:cNvGrpSpPr/>
+        <p:nvPr/>
+      </p:nvGrpSpPr>
+      <p:grpSpPr>
+        <a:xfrm>
+          <a:off x="0" y="0"/>
+          <a:ext cx="0" cy="0"/>
+          <a:chOff x="0" y="0"/>
+          <a:chExt cx="0" cy="0"/>
+        </a:xfrm>
+      </p:grpSpPr>
+      <p:pic>
+        <p:nvPicPr>
+          <p:cNvPr id="2" name="Imagem 1">
+            <a:extLst>
+              <a:ext uri="{FF2B5EF4-FFF2-40B4-BE49-F238E27FC236}">
+                <a16:creationId xmlns:a16="http://schemas.microsoft.com/office/drawing/2014/main" id="{ABDA959E-9459-4146-AA5F-482EFA00411D}"/>
+              </a:ext>
+            </a:extLst>
+          </p:cNvPr>
+          <p:cNvPicPr>
+            <a:picLocks noChangeAspect="1"/>
+          </p:cNvPicPr>
+          <p:nvPr/>
+        </p:nvPicPr>
+        <p:blipFill>
+          <a:blip r:embed="rId2"/>
+          <a:stretch>
+            <a:fillRect/>
+          </a:stretch>
+        </p:blipFill>
+        <p:spPr>
+          <a:xfrm>
+            <a:off x="1619250" y="276225"/>
+            <a:ext cx="8953500" cy="6305550"/>
+          </a:xfrm>
+          <a:prstGeom prst="rect">
+            <a:avLst/>
+          </a:prstGeom>
+        </p:spPr>
+      </p:pic>
+    </p:spTree>
+    <p:extLst>
+      <p:ext uri="{BB962C8B-B14F-4D97-AF65-F5344CB8AC3E}">
+        <p14:creationId xmlns:p14="http://schemas.microsoft.com/office/powerpoint/2010/main" val="4082892510"/>
+      </p:ext>
+    </p:extLst>
+  </p:cSld>
+  <p:clrMapOvr>
+    <a:masterClrMapping/>
+  </p:clrMapOvr>
+</p:sld>
+</file>
+
+<file path=ppt/slides/slide11.xml><?xml version="1.0" encoding="utf-8"?>
+<p:sld xmlns:a="http://schemas.openxmlformats.org/drawingml/2006/main" xmlns:r="http://schemas.openxmlformats.org/officeDocument/2006/relationships" xmlns:p="http://schemas.openxmlformats.org/presentationml/2006/main">
+  <p:cSld>
+    <p:spTree>
+      <p:nvGrpSpPr>
+        <p:cNvPr id="1" name=""/>
+        <p:cNvGrpSpPr/>
+        <p:nvPr/>
+      </p:nvGrpSpPr>
+      <p:grpSpPr>
+        <a:xfrm>
+          <a:off x="0" y="0"/>
+          <a:ext cx="0" cy="0"/>
+          <a:chOff x="0" y="0"/>
+          <a:chExt cx="0" cy="0"/>
+        </a:xfrm>
+      </p:grpSpPr>
+      <p:pic>
+        <p:nvPicPr>
+          <p:cNvPr id="2" name="Imagem 1">
+            <a:extLst>
+              <a:ext uri="{FF2B5EF4-FFF2-40B4-BE49-F238E27FC236}">
+                <a16:creationId xmlns:a16="http://schemas.microsoft.com/office/drawing/2014/main" id="{7E5331E5-DD48-44FF-91B8-44ECE84FA46C}"/>
+              </a:ext>
+            </a:extLst>
+          </p:cNvPr>
+          <p:cNvPicPr>
+            <a:picLocks noChangeAspect="1"/>
+          </p:cNvPicPr>
+          <p:nvPr/>
+        </p:nvPicPr>
+        <p:blipFill>
+          <a:blip r:embed="rId2"/>
+          <a:stretch>
+            <a:fillRect/>
+          </a:stretch>
+        </p:blipFill>
+        <p:spPr>
+          <a:xfrm>
+            <a:off x="566737" y="1495286"/>
+            <a:ext cx="11058525" cy="4524375"/>
+          </a:xfrm>
+          <a:prstGeom prst="rect">
+            <a:avLst/>
+          </a:prstGeom>
+        </p:spPr>
+      </p:pic>
+    </p:spTree>
+    <p:extLst>
+      <p:ext uri="{BB962C8B-B14F-4D97-AF65-F5344CB8AC3E}">
+        <p14:creationId xmlns:p14="http://schemas.microsoft.com/office/powerpoint/2010/main" val="40423259"/>
+      </p:ext>
+    </p:extLst>
+  </p:cSld>
+  <p:clrMapOvr>
+    <a:masterClrMapping/>
+  </p:clrMapOvr>
+</p:sld>
+</file>
+
+<file path=ppt/slides/slide12.xml><?xml version="1.0" encoding="utf-8"?>
+<p:sld xmlns:a="http://schemas.openxmlformats.org/drawingml/2006/main" xmlns:r="http://schemas.openxmlformats.org/officeDocument/2006/relationships" xmlns:p="http://schemas.openxmlformats.org/presentationml/2006/main">
+  <p:cSld>
+    <p:spTree>
+      <p:nvGrpSpPr>
+        <p:cNvPr id="1" name=""/>
+        <p:cNvGrpSpPr/>
+        <p:nvPr/>
+      </p:nvGrpSpPr>
+      <p:grpSpPr>
+        <a:xfrm>
+          <a:off x="0" y="0"/>
+          <a:ext cx="0" cy="0"/>
+          <a:chOff x="0" y="0"/>
+          <a:chExt cx="0" cy="0"/>
+        </a:xfrm>
+      </p:grpSpPr>
+      <p:pic>
+        <p:nvPicPr>
+          <p:cNvPr id="2" name="Imagem 1">
+            <a:extLst>
+              <a:ext uri="{FF2B5EF4-FFF2-40B4-BE49-F238E27FC236}">
+                <a16:creationId xmlns:a16="http://schemas.microsoft.com/office/drawing/2014/main" id="{DF5E8699-D32A-4969-AA2E-B8BC6B7D02E9}"/>
+              </a:ext>
+            </a:extLst>
+          </p:cNvPr>
+          <p:cNvPicPr>
+            <a:picLocks noChangeAspect="1"/>
+          </p:cNvPicPr>
+          <p:nvPr/>
+        </p:nvPicPr>
+        <p:blipFill>
+          <a:blip r:embed="rId2"/>
+          <a:stretch>
+            <a:fillRect/>
+          </a:stretch>
+        </p:blipFill>
+        <p:spPr>
+          <a:xfrm>
+            <a:off x="147637" y="438150"/>
+            <a:ext cx="11896725" cy="5981700"/>
+          </a:xfrm>
+          <a:prstGeom prst="rect">
+            <a:avLst/>
+          </a:prstGeom>
+        </p:spPr>
+      </p:pic>
+    </p:spTree>
+    <p:extLst>
+      <p:ext uri="{BB962C8B-B14F-4D97-AF65-F5344CB8AC3E}">
+        <p14:creationId xmlns:p14="http://schemas.microsoft.com/office/powerpoint/2010/main" val="319007299"/>
+      </p:ext>
+    </p:extLst>
+  </p:cSld>
+  <p:clrMapOvr>
+    <a:masterClrMapping/>
+  </p:clrMapOvr>
+</p:sld>
+</file>
+
+<file path=ppt/slides/slide13.xml><?xml version="1.0" encoding="utf-8"?>
+<p:sld xmlns:a="http://schemas.openxmlformats.org/drawingml/2006/main" xmlns:r="http://schemas.openxmlformats.org/officeDocument/2006/relationships" xmlns:p="http://schemas.openxmlformats.org/presentationml/2006/main">
+  <p:cSld>
+    <p:spTree>
+      <p:nvGrpSpPr>
+        <p:cNvPr id="1" name=""/>
+        <p:cNvGrpSpPr/>
+        <p:nvPr/>
+      </p:nvGrpSpPr>
+      <p:grpSpPr>
+        <a:xfrm>
+          <a:off x="0" y="0"/>
+          <a:ext cx="0" cy="0"/>
+          <a:chOff x="0" y="0"/>
+          <a:chExt cx="0" cy="0"/>
+        </a:xfrm>
+      </p:grpSpPr>
+      <p:pic>
+        <p:nvPicPr>
+          <p:cNvPr id="2" name="Imagem 1">
+            <a:extLst>
+              <a:ext uri="{FF2B5EF4-FFF2-40B4-BE49-F238E27FC236}">
+                <a16:creationId xmlns:a16="http://schemas.microsoft.com/office/drawing/2014/main" id="{349EAE0F-521F-4E56-9A7B-E659C8ECBD02}"/>
+              </a:ext>
+            </a:extLst>
+          </p:cNvPr>
+          <p:cNvPicPr>
+            <a:picLocks noChangeAspect="1"/>
+          </p:cNvPicPr>
+          <p:nvPr/>
+        </p:nvPicPr>
+        <p:blipFill>
+          <a:blip r:embed="rId2"/>
+          <a:stretch>
+            <a:fillRect/>
+          </a:stretch>
+        </p:blipFill>
+        <p:spPr>
+          <a:xfrm>
+            <a:off x="0" y="2330257"/>
+            <a:ext cx="12192000" cy="3245051"/>
+          </a:xfrm>
+          <a:prstGeom prst="rect">
+            <a:avLst/>
+          </a:prstGeom>
+        </p:spPr>
+      </p:pic>
+      <p:sp>
+        <p:nvSpPr>
+          <p:cNvPr id="3" name="CaixaDeTexto 2">
+            <a:extLst>
+              <a:ext uri="{FF2B5EF4-FFF2-40B4-BE49-F238E27FC236}">
+                <a16:creationId xmlns:a16="http://schemas.microsoft.com/office/drawing/2014/main" id="{BBBB7D88-0305-4D8F-8B76-64E1E2D6F0D8}"/>
+              </a:ext>
+            </a:extLst>
+          </p:cNvPr>
+          <p:cNvSpPr txBox="1"/>
+          <p:nvPr/>
+        </p:nvSpPr>
+        <p:spPr>
+          <a:xfrm>
+            <a:off x="621855" y="1171852"/>
+            <a:ext cx="7708777" cy="523220"/>
+          </a:xfrm>
+          <a:prstGeom prst="rect">
+            <a:avLst/>
+          </a:prstGeom>
+          <a:noFill/>
+        </p:spPr>
+        <p:txBody>
+          <a:bodyPr wrap="none" rtlCol="0">
+            <a:spAutoFit/>
+          </a:bodyPr>
+          <a:lstStyle/>
+          <a:p>
+            <a:pPr algn="just"/>
+            <a:r>
+              <a:rPr lang="pt-BR" sz="2800" dirty="0"/>
+              <a:t>Inserindo novos usuários através de uma procedure</a:t>
+            </a:r>
+          </a:p>
+        </p:txBody>
+      </p:sp>
+    </p:spTree>
+    <p:extLst>
+      <p:ext uri="{BB962C8B-B14F-4D97-AF65-F5344CB8AC3E}">
+        <p14:creationId xmlns:p14="http://schemas.microsoft.com/office/powerpoint/2010/main" val="3434726989"/>
+      </p:ext>
+    </p:extLst>
+  </p:cSld>
+  <p:clrMapOvr>
+    <a:masterClrMapping/>
+  </p:clrMapOvr>
+</p:sld>
+</file>
+
+<file path=ppt/slides/slide14.xml><?xml version="1.0" encoding="utf-8"?>
+<p:sld xmlns:a="http://schemas.openxmlformats.org/drawingml/2006/main" xmlns:r="http://schemas.openxmlformats.org/officeDocument/2006/relationships" xmlns:p="http://schemas.openxmlformats.org/presentationml/2006/main">
+  <p:cSld>
+    <p:spTree>
+      <p:nvGrpSpPr>
+        <p:cNvPr id="1" name=""/>
+        <p:cNvGrpSpPr/>
+        <p:nvPr/>
+      </p:nvGrpSpPr>
+      <p:grpSpPr>
+        <a:xfrm>
+          <a:off x="0" y="0"/>
+          <a:ext cx="0" cy="0"/>
+          <a:chOff x="0" y="0"/>
+          <a:chExt cx="0" cy="0"/>
+        </a:xfrm>
+      </p:grpSpPr>
+      <p:pic>
+        <p:nvPicPr>
+          <p:cNvPr id="2" name="Imagem 1">
+            <a:extLst>
+              <a:ext uri="{FF2B5EF4-FFF2-40B4-BE49-F238E27FC236}">
+                <a16:creationId xmlns:a16="http://schemas.microsoft.com/office/drawing/2014/main" id="{9FBCB862-AED4-4FEB-9FD5-6ABF486A6F86}"/>
+              </a:ext>
+            </a:extLst>
+          </p:cNvPr>
+          <p:cNvPicPr>
+            <a:picLocks noChangeAspect="1"/>
+          </p:cNvPicPr>
+          <p:nvPr/>
+        </p:nvPicPr>
+        <p:blipFill>
+          <a:blip r:embed="rId2"/>
+          <a:stretch>
+            <a:fillRect/>
+          </a:stretch>
+        </p:blipFill>
+        <p:spPr>
+          <a:xfrm>
+            <a:off x="6552413" y="360886"/>
+            <a:ext cx="5248275" cy="6296025"/>
+          </a:xfrm>
+          <a:prstGeom prst="rect">
+            <a:avLst/>
+          </a:prstGeom>
+        </p:spPr>
+      </p:pic>
+    </p:spTree>
+    <p:extLst>
+      <p:ext uri="{BB962C8B-B14F-4D97-AF65-F5344CB8AC3E}">
+        <p14:creationId xmlns:p14="http://schemas.microsoft.com/office/powerpoint/2010/main" val="2718327052"/>
+      </p:ext>
+    </p:extLst>
+  </p:cSld>
+  <p:clrMapOvr>
+    <a:masterClrMapping/>
+  </p:clrMapOvr>
+</p:sld>
+</file>
+
+<file path=ppt/slides/slide15.xml><?xml version="1.0" encoding="utf-8"?>
+<p:sld xmlns:a="http://schemas.openxmlformats.org/drawingml/2006/main" xmlns:r="http://schemas.openxmlformats.org/officeDocument/2006/relationships" xmlns:p="http://schemas.openxmlformats.org/presentationml/2006/main">
+  <p:cSld>
+    <p:spTree>
+      <p:nvGrpSpPr>
+        <p:cNvPr id="1" name=""/>
+        <p:cNvGrpSpPr/>
+        <p:nvPr/>
+      </p:nvGrpSpPr>
+      <p:grpSpPr>
+        <a:xfrm>
+          <a:off x="0" y="0"/>
+          <a:ext cx="0" cy="0"/>
+          <a:chOff x="0" y="0"/>
+          <a:chExt cx="0" cy="0"/>
+        </a:xfrm>
+      </p:grpSpPr>
+      <p:sp>
+        <p:nvSpPr>
+          <p:cNvPr id="2" name="CaixaDeTexto 1">
+            <a:extLst>
+              <a:ext uri="{FF2B5EF4-FFF2-40B4-BE49-F238E27FC236}">
+                <a16:creationId xmlns:a16="http://schemas.microsoft.com/office/drawing/2014/main" id="{75EE719C-8844-4E50-9C48-9A9EF521E434}"/>
+              </a:ext>
+            </a:extLst>
+          </p:cNvPr>
+          <p:cNvSpPr txBox="1"/>
+          <p:nvPr/>
+        </p:nvSpPr>
+        <p:spPr>
+          <a:xfrm>
+            <a:off x="1630532" y="2580466"/>
+            <a:ext cx="8930936" cy="1697068"/>
+          </a:xfrm>
+          <a:prstGeom prst="rect">
+            <a:avLst/>
+          </a:prstGeom>
+          <a:noFill/>
+        </p:spPr>
+        <p:txBody>
+          <a:bodyPr wrap="square" rtlCol="0">
+            <a:spAutoFit/>
+          </a:bodyPr>
+          <a:lstStyle/>
+          <a:p>
+            <a:pPr algn="just">
+              <a:lnSpc>
+                <a:spcPct val="150000"/>
+              </a:lnSpc>
+            </a:pPr>
+            <a:r>
+              <a:rPr lang="pt-BR" sz="2400" dirty="0"/>
+              <a:t>O operador SQL </a:t>
+            </a:r>
+            <a:r>
+              <a:rPr lang="pt-BR" sz="2400" b="1" dirty="0">
+                <a:solidFill>
+                  <a:srgbClr val="0070C0"/>
+                </a:solidFill>
+              </a:rPr>
+              <a:t>IN</a:t>
+            </a:r>
+            <a:r>
+              <a:rPr lang="pt-BR" sz="2400" dirty="0"/>
+              <a:t> permite verificar se um valor específico corresponde a algum valor presente em uma lista ou </a:t>
+            </a:r>
+            <a:r>
+              <a:rPr lang="pt-BR" sz="2400" dirty="0" err="1"/>
+              <a:t>subconsulta</a:t>
+            </a:r>
+            <a:r>
+              <a:rPr lang="pt-BR" sz="2400" dirty="0"/>
+              <a:t>, passada como parâmetro a uma cláusula de filtragem WHERE</a:t>
+            </a:r>
+          </a:p>
+        </p:txBody>
+      </p:sp>
+    </p:spTree>
+    <p:extLst>
+      <p:ext uri="{BB962C8B-B14F-4D97-AF65-F5344CB8AC3E}">
+        <p14:creationId xmlns:p14="http://schemas.microsoft.com/office/powerpoint/2010/main" val="1916918879"/>
+      </p:ext>
+    </p:extLst>
+  </p:cSld>
+  <p:clrMapOvr>
+    <a:masterClrMapping/>
+  </p:clrMapOvr>
+</p:sld>
+</file>
+
+<file path=ppt/slides/slide16.xml><?xml version="1.0" encoding="utf-8"?>
+<p:sld xmlns:a="http://schemas.openxmlformats.org/drawingml/2006/main" xmlns:r="http://schemas.openxmlformats.org/officeDocument/2006/relationships" xmlns:p="http://schemas.openxmlformats.org/presentationml/2006/main">
+  <p:cSld>
+    <p:spTree>
+      <p:nvGrpSpPr>
+        <p:cNvPr id="1" name=""/>
+        <p:cNvGrpSpPr/>
+        <p:nvPr/>
+      </p:nvGrpSpPr>
+      <p:grpSpPr>
+        <a:xfrm>
+          <a:off x="0" y="0"/>
+          <a:ext cx="0" cy="0"/>
+          <a:chOff x="0" y="0"/>
+          <a:chExt cx="0" cy="0"/>
+        </a:xfrm>
+      </p:grpSpPr>
+      <p:sp>
+        <p:nvSpPr>
+          <p:cNvPr id="2" name="CaixaDeTexto 1">
+            <a:extLst>
+              <a:ext uri="{FF2B5EF4-FFF2-40B4-BE49-F238E27FC236}">
+                <a16:creationId xmlns:a16="http://schemas.microsoft.com/office/drawing/2014/main" id="{98F51C02-3592-4AC9-A677-24602B541A07}"/>
+              </a:ext>
+            </a:extLst>
+          </p:cNvPr>
+          <p:cNvSpPr txBox="1"/>
+          <p:nvPr/>
+        </p:nvSpPr>
+        <p:spPr>
+          <a:xfrm>
+            <a:off x="1488489" y="2547891"/>
+            <a:ext cx="9215022" cy="1446550"/>
+          </a:xfrm>
+          <a:prstGeom prst="rect">
+            <a:avLst/>
+          </a:prstGeom>
+          <a:noFill/>
+        </p:spPr>
+        <p:txBody>
+          <a:bodyPr wrap="square" rtlCol="0">
+            <a:spAutoFit/>
+          </a:bodyPr>
+          <a:lstStyle/>
+          <a:p>
+            <a:r>
+              <a:rPr lang="pt-BR" sz="4400" dirty="0"/>
+              <a:t>Criar uma procedure de Inserção de  um novo usuário</a:t>
+            </a:r>
+          </a:p>
+        </p:txBody>
+      </p:sp>
+    </p:spTree>
+    <p:extLst>
+      <p:ext uri="{BB962C8B-B14F-4D97-AF65-F5344CB8AC3E}">
+        <p14:creationId xmlns:p14="http://schemas.microsoft.com/office/powerpoint/2010/main" val="293501626"/>
+      </p:ext>
+    </p:extLst>
+  </p:cSld>
+  <p:clrMapOvr>
+    <a:masterClrMapping/>
+  </p:clrMapOvr>
+</p:sld>
+</file>
+
 <file path=ppt/slides/slide2.xml><?xml version="1.0" encoding="utf-8"?>
 <p:sld xmlns:a="http://schemas.openxmlformats.org/drawingml/2006/main" xmlns:r="http://schemas.openxmlformats.org/officeDocument/2006/relationships" xmlns:p="http://schemas.openxmlformats.org/presentationml/2006/main">
   <p:cSld>
@@ -4192,6 +4696,115 @@
     <p:extLst>
       <p:ext uri="{BB962C8B-B14F-4D97-AF65-F5344CB8AC3E}">
         <p14:creationId xmlns:p14="http://schemas.microsoft.com/office/powerpoint/2010/main" val="2367592934"/>
+      </p:ext>
+    </p:extLst>
+  </p:cSld>
+  <p:clrMapOvr>
+    <a:masterClrMapping/>
+  </p:clrMapOvr>
+</p:sld>
+</file>
+
+<file path=ppt/slides/slide9.xml><?xml version="1.0" encoding="utf-8"?>
+<p:sld xmlns:a="http://schemas.openxmlformats.org/drawingml/2006/main" xmlns:r="http://schemas.openxmlformats.org/officeDocument/2006/relationships" xmlns:p="http://schemas.openxmlformats.org/presentationml/2006/main">
+  <p:cSld>
+    <p:spTree>
+      <p:nvGrpSpPr>
+        <p:cNvPr id="1" name=""/>
+        <p:cNvGrpSpPr/>
+        <p:nvPr/>
+      </p:nvGrpSpPr>
+      <p:grpSpPr>
+        <a:xfrm>
+          <a:off x="0" y="0"/>
+          <a:ext cx="0" cy="0"/>
+          <a:chOff x="0" y="0"/>
+          <a:chExt cx="0" cy="0"/>
+        </a:xfrm>
+      </p:grpSpPr>
+      <p:pic>
+        <p:nvPicPr>
+          <p:cNvPr id="2" name="Imagem 1">
+            <a:extLst>
+              <a:ext uri="{FF2B5EF4-FFF2-40B4-BE49-F238E27FC236}">
+                <a16:creationId xmlns:a16="http://schemas.microsoft.com/office/drawing/2014/main" id="{A9C21711-5323-4634-AFCF-B03A9F9F02B7}"/>
+              </a:ext>
+            </a:extLst>
+          </p:cNvPr>
+          <p:cNvPicPr>
+            <a:picLocks noChangeAspect="1"/>
+          </p:cNvPicPr>
+          <p:nvPr/>
+        </p:nvPicPr>
+        <p:blipFill>
+          <a:blip r:embed="rId2"/>
+          <a:stretch>
+            <a:fillRect/>
+          </a:stretch>
+        </p:blipFill>
+        <p:spPr>
+          <a:xfrm>
+            <a:off x="1762125" y="1869397"/>
+            <a:ext cx="8667750" cy="4095750"/>
+          </a:xfrm>
+          <a:prstGeom prst="rect">
+            <a:avLst/>
+          </a:prstGeom>
+        </p:spPr>
+      </p:pic>
+      <p:sp>
+        <p:nvSpPr>
+          <p:cNvPr id="3" name="CaixaDeTexto 2">
+            <a:extLst>
+              <a:ext uri="{FF2B5EF4-FFF2-40B4-BE49-F238E27FC236}">
+                <a16:creationId xmlns:a16="http://schemas.microsoft.com/office/drawing/2014/main" id="{7DD13E15-5BF6-41C1-8109-74DED861355E}"/>
+              </a:ext>
+            </a:extLst>
+          </p:cNvPr>
+          <p:cNvSpPr txBox="1"/>
+          <p:nvPr/>
+        </p:nvSpPr>
+        <p:spPr>
+          <a:xfrm>
+            <a:off x="1762125" y="951205"/>
+            <a:ext cx="7559428" cy="830997"/>
+          </a:xfrm>
+          <a:prstGeom prst="rect">
+            <a:avLst/>
+          </a:prstGeom>
+          <a:noFill/>
+        </p:spPr>
+        <p:txBody>
+          <a:bodyPr wrap="square" rtlCol="0">
+            <a:spAutoFit/>
+          </a:bodyPr>
+          <a:lstStyle/>
+          <a:p>
+            <a:pPr marL="285750" indent="-285750" algn="just">
+              <a:buFont typeface="Arial" panose="020B0604020202020204" pitchFamily="34" charset="0"/>
+              <a:buChar char="•"/>
+            </a:pPr>
+            <a:r>
+              <a:rPr lang="pt-BR" sz="2400" dirty="0"/>
+              <a:t>Procedimento para aumento no valor dos imóveis;</a:t>
+            </a:r>
+          </a:p>
+          <a:p>
+            <a:pPr marL="742950" lvl="1" indent="-285750" algn="just">
+              <a:buFont typeface="Arial" panose="020B0604020202020204" pitchFamily="34" charset="0"/>
+              <a:buChar char="•"/>
+            </a:pPr>
+            <a:r>
+              <a:rPr lang="pt-BR" sz="2400" dirty="0"/>
+              <a:t>Aula 22/11/2023</a:t>
+            </a:r>
+          </a:p>
+        </p:txBody>
+      </p:sp>
+    </p:spTree>
+    <p:extLst>
+      <p:ext uri="{BB962C8B-B14F-4D97-AF65-F5344CB8AC3E}">
+        <p14:creationId xmlns:p14="http://schemas.microsoft.com/office/powerpoint/2010/main" val="1797344905"/>
       </p:ext>
     </p:extLst>
   </p:cSld>
